--- a/documentation/Java training 34- Spring.pptx
+++ b/documentation/Java training 34- Spring.pptx
@@ -7590,8 +7590,12 @@
               <a:t>Transactional</a:t>
             </a:r>
             <a:r>
-              <a:rPr lang="hu-HU" smtClean="0"/>
-              <a:t> Annotation</a:t>
+              <a:rPr lang="hu-HU" dirty="0" smtClean="0"/>
+              <a:t> </a:t>
+            </a:r>
+            <a:r>
+              <a:rPr lang="hu-HU" dirty="0" err="1" smtClean="0"/>
+              <a:t>Annotation</a:t>
             </a:r>
             <a:endParaRPr lang="hu-HU" dirty="0"/>
           </a:p>
@@ -7658,6 +7662,13 @@
   <p:clrMapOvr>
     <a:masterClrMapping/>
   </p:clrMapOvr>
+  <p:timing>
+    <p:tnLst>
+      <p:par>
+        <p:cTn id="1" dur="indefinite" restart="never" nodeType="tmRoot"/>
+      </p:par>
+    </p:tnLst>
+  </p:timing>
 </p:sld>
 </file>
 
@@ -7756,6 +7767,13 @@
   <p:clrMapOvr>
     <a:masterClrMapping/>
   </p:clrMapOvr>
+  <p:timing>
+    <p:tnLst>
+      <p:par>
+        <p:cTn id="1" dur="indefinite" restart="never" nodeType="tmRoot"/>
+      </p:par>
+    </p:tnLst>
+  </p:timing>
 </p:sld>
 </file>
 
@@ -7854,6 +7872,13 @@
   <p:clrMapOvr>
     <a:masterClrMapping/>
   </p:clrMapOvr>
+  <p:timing>
+    <p:tnLst>
+      <p:par>
+        <p:cTn id="1" dur="indefinite" restart="never" nodeType="tmRoot"/>
+      </p:par>
+    </p:tnLst>
+  </p:timing>
 </p:sld>
 </file>
 
